--- a/doc/Landing page image - after.pptx
+++ b/doc/Landing page image - after.pptx
@@ -319,7 +319,7 @@
             <a:fld id="{1D8BD707-D9CF-40AE-B4C6-C98DA3205C09}" type="datetimeFigureOut">
               <a:rPr lang="en-US" smtClean="0"/>
               <a:pPr/>
-              <a:t>12/14/2013</a:t>
+              <a:t>12/24/2013</a:t>
             </a:fld>
             <a:endParaRPr lang="en-US"/>
           </a:p>
@@ -486,7 +486,7 @@
             <a:fld id="{1D8BD707-D9CF-40AE-B4C6-C98DA3205C09}" type="datetimeFigureOut">
               <a:rPr lang="en-US" smtClean="0"/>
               <a:pPr/>
-              <a:t>12/14/2013</a:t>
+              <a:t>12/24/2013</a:t>
             </a:fld>
             <a:endParaRPr lang="en-US"/>
           </a:p>
@@ -663,7 +663,7 @@
             <a:fld id="{1D8BD707-D9CF-40AE-B4C6-C98DA3205C09}" type="datetimeFigureOut">
               <a:rPr lang="en-US" smtClean="0"/>
               <a:pPr/>
-              <a:t>12/14/2013</a:t>
+              <a:t>12/24/2013</a:t>
             </a:fld>
             <a:endParaRPr lang="en-US"/>
           </a:p>
@@ -830,7 +830,7 @@
             <a:fld id="{1D8BD707-D9CF-40AE-B4C6-C98DA3205C09}" type="datetimeFigureOut">
               <a:rPr lang="en-US" smtClean="0"/>
               <a:pPr/>
-              <a:t>12/14/2013</a:t>
+              <a:t>12/24/2013</a:t>
             </a:fld>
             <a:endParaRPr lang="en-US"/>
           </a:p>
@@ -1080,7 +1080,7 @@
             <a:fld id="{1D8BD707-D9CF-40AE-B4C6-C98DA3205C09}" type="datetimeFigureOut">
               <a:rPr lang="en-US" smtClean="0"/>
               <a:pPr/>
-              <a:t>12/14/2013</a:t>
+              <a:t>12/24/2013</a:t>
             </a:fld>
             <a:endParaRPr lang="en-US"/>
           </a:p>
@@ -1365,7 +1365,7 @@
             <a:fld id="{1D8BD707-D9CF-40AE-B4C6-C98DA3205C09}" type="datetimeFigureOut">
               <a:rPr lang="en-US" smtClean="0"/>
               <a:pPr/>
-              <a:t>12/14/2013</a:t>
+              <a:t>12/24/2013</a:t>
             </a:fld>
             <a:endParaRPr lang="en-US"/>
           </a:p>
@@ -1784,7 +1784,7 @@
             <a:fld id="{1D8BD707-D9CF-40AE-B4C6-C98DA3205C09}" type="datetimeFigureOut">
               <a:rPr lang="en-US" smtClean="0"/>
               <a:pPr/>
-              <a:t>12/14/2013</a:t>
+              <a:t>12/24/2013</a:t>
             </a:fld>
             <a:endParaRPr lang="en-US"/>
           </a:p>
@@ -1899,7 +1899,7 @@
             <a:fld id="{1D8BD707-D9CF-40AE-B4C6-C98DA3205C09}" type="datetimeFigureOut">
               <a:rPr lang="en-US" smtClean="0"/>
               <a:pPr/>
-              <a:t>12/14/2013</a:t>
+              <a:t>12/24/2013</a:t>
             </a:fld>
             <a:endParaRPr lang="en-US"/>
           </a:p>
@@ -1991,7 +1991,7 @@
             <a:fld id="{1D8BD707-D9CF-40AE-B4C6-C98DA3205C09}" type="datetimeFigureOut">
               <a:rPr lang="en-US" smtClean="0"/>
               <a:pPr/>
-              <a:t>12/14/2013</a:t>
+              <a:t>12/24/2013</a:t>
             </a:fld>
             <a:endParaRPr lang="en-US"/>
           </a:p>
@@ -2265,7 +2265,7 @@
             <a:fld id="{1D8BD707-D9CF-40AE-B4C6-C98DA3205C09}" type="datetimeFigureOut">
               <a:rPr lang="en-US" smtClean="0"/>
               <a:pPr/>
-              <a:t>12/14/2013</a:t>
+              <a:t>12/24/2013</a:t>
             </a:fld>
             <a:endParaRPr lang="en-US"/>
           </a:p>
@@ -2515,7 +2515,7 @@
             <a:fld id="{1D8BD707-D9CF-40AE-B4C6-C98DA3205C09}" type="datetimeFigureOut">
               <a:rPr lang="en-US" smtClean="0"/>
               <a:pPr/>
-              <a:t>12/14/2013</a:t>
+              <a:t>12/24/2013</a:t>
             </a:fld>
             <a:endParaRPr lang="en-US"/>
           </a:p>
@@ -2725,7 +2725,7 @@
             <a:fld id="{1D8BD707-D9CF-40AE-B4C6-C98DA3205C09}" type="datetimeFigureOut">
               <a:rPr lang="en-US" smtClean="0"/>
               <a:pPr/>
-              <a:t>12/14/2013</a:t>
+              <a:t>12/24/2013</a:t>
             </a:fld>
             <a:endParaRPr lang="en-US"/>
           </a:p>
@@ -2827,7 +2827,9 @@
           <a:noFill/>
           <a:ln w="57150">
             <a:solidFill>
-              <a:srgbClr val="0070C0"/>
+              <a:schemeClr val="bg1">
+                <a:lumMod val="85000"/>
+              </a:schemeClr>
             </a:solidFill>
           </a:ln>
         </p:spPr>
@@ -3133,7 +3135,7 @@
 </file>
 
 <file path=ppt/slides/slide1.xml><?xml version="1.0" encoding="utf-8"?>
-<p:sld xmlns:a="http://schemas.openxmlformats.org/drawingml/2006/main" xmlns:r="http://schemas.openxmlformats.org/officeDocument/2006/relationships" xmlns:p="http://schemas.openxmlformats.org/presentationml/2006/main">
+<p:sld xmlns:a="http://schemas.openxmlformats.org/drawingml/2006/main" xmlns:r="http://schemas.openxmlformats.org/officeDocument/2006/relationships" xmlns:p="http://schemas.openxmlformats.org/presentationml/2006/main" show="0">
   <p:cSld>
     <p:spTree>
       <p:nvGrpSpPr>
@@ -4128,13 +4130,13 @@
   <p:clrMapOvr>
     <a:masterClrMapping/>
   </p:clrMapOvr>
-  <mc:AlternateContent xmlns:mc="http://schemas.openxmlformats.org/markup-compatibility/2006">
-    <mc:Choice xmlns:p14="http://schemas.microsoft.com/office/powerpoint/2010/main" Requires="p14">
+  <mc:AlternateContent xmlns:mc="http://schemas.openxmlformats.org/markup-compatibility/2006" xmlns:p14="http://schemas.microsoft.com/office/powerpoint/2010/main">
+    <mc:Choice Requires="p14">
       <p:transition p14:dur="250" advTm="1000">
         <p:fade/>
       </p:transition>
     </mc:Choice>
-    <mc:Fallback>
+    <mc:Fallback xmlns="">
       <p:transition advTm="1000">
         <p:fade/>
       </p:transition>
@@ -4558,13 +4560,13 @@
   <p:clrMapOvr>
     <a:masterClrMapping/>
   </p:clrMapOvr>
-  <mc:AlternateContent xmlns:mc="http://schemas.openxmlformats.org/markup-compatibility/2006">
-    <mc:Choice xmlns:p14="http://schemas.microsoft.com/office/powerpoint/2010/main" Requires="p14">
+  <mc:AlternateContent xmlns:mc="http://schemas.openxmlformats.org/markup-compatibility/2006" xmlns:p14="http://schemas.microsoft.com/office/powerpoint/2010/main">
+    <mc:Choice Requires="p14">
       <p:transition spd="med" p14:dur="700" advTm="0">
         <p:fade/>
       </p:transition>
     </mc:Choice>
-    <mc:Fallback>
+    <mc:Fallback xmlns="">
       <p:transition spd="med" advTm="0">
         <p:fade/>
       </p:transition>
@@ -5018,11 +5020,11 @@
   <p:clrMapOvr>
     <a:masterClrMapping/>
   </p:clrMapOvr>
-  <mc:AlternateContent xmlns:mc="http://schemas.openxmlformats.org/markup-compatibility/2006">
-    <mc:Choice xmlns:p14="http://schemas.microsoft.com/office/powerpoint/2010/main" Requires="p14">
+  <mc:AlternateContent xmlns:mc="http://schemas.openxmlformats.org/markup-compatibility/2006" xmlns:p14="http://schemas.microsoft.com/office/powerpoint/2010/main">
+    <mc:Choice Requires="p14">
       <p:transition p14:dur="0" advClick="0" advTm="0"/>
     </mc:Choice>
-    <mc:Fallback>
+    <mc:Fallback xmlns="">
       <p:transition advClick="0" advTm="0"/>
     </mc:Fallback>
   </mc:AlternateContent>
@@ -5427,11 +5429,11 @@
   <p:clrMapOvr>
     <a:masterClrMapping/>
   </p:clrMapOvr>
-  <mc:AlternateContent xmlns:mc="http://schemas.openxmlformats.org/markup-compatibility/2006">
-    <mc:Choice xmlns:p14="http://schemas.microsoft.com/office/powerpoint/2010/main" Requires="p14">
+  <mc:AlternateContent xmlns:mc="http://schemas.openxmlformats.org/markup-compatibility/2006" xmlns:p14="http://schemas.microsoft.com/office/powerpoint/2010/main">
+    <mc:Choice Requires="p14">
       <p:transition spd="med" p14:dur="700" advTm="0"/>
     </mc:Choice>
-    <mc:Fallback>
+    <mc:Fallback xmlns="">
       <p:transition spd="med" advTm="0"/>
     </mc:Fallback>
   </mc:AlternateContent>
@@ -5702,13 +5704,13 @@
   <p:clrMapOvr>
     <a:masterClrMapping/>
   </p:clrMapOvr>
-  <mc:AlternateContent xmlns:mc="http://schemas.openxmlformats.org/markup-compatibility/2006">
-    <mc:Choice xmlns:p14="http://schemas.microsoft.com/office/powerpoint/2010/main" Requires="p14">
+  <mc:AlternateContent xmlns:mc="http://schemas.openxmlformats.org/markup-compatibility/2006" xmlns:p14="http://schemas.microsoft.com/office/powerpoint/2010/main">
+    <mc:Choice Requires="p14">
       <p:transition spd="med" p14:dur="700" advTm="0">
         <p:fade/>
       </p:transition>
     </mc:Choice>
-    <mc:Fallback>
+    <mc:Fallback xmlns="">
       <p:transition spd="med" advTm="0">
         <p:fade/>
       </p:transition>
@@ -6011,11 +6013,11 @@
   <p:clrMapOvr>
     <a:masterClrMapping/>
   </p:clrMapOvr>
-  <mc:AlternateContent xmlns:mc="http://schemas.openxmlformats.org/markup-compatibility/2006">
-    <mc:Choice xmlns:p14="http://schemas.microsoft.com/office/powerpoint/2010/main" Requires="p14">
+  <mc:AlternateContent xmlns:mc="http://schemas.openxmlformats.org/markup-compatibility/2006" xmlns:p14="http://schemas.microsoft.com/office/powerpoint/2010/main">
+    <mc:Choice Requires="p14">
       <p:transition spd="med" p14:dur="700" advClick="0" advTm="0"/>
     </mc:Choice>
-    <mc:Fallback>
+    <mc:Fallback xmlns="">
       <p:transition spd="med" advClick="0" advTm="0"/>
     </mc:Fallback>
   </mc:AlternateContent>
@@ -6240,11 +6242,11 @@
   <p:clrMapOvr>
     <a:masterClrMapping/>
   </p:clrMapOvr>
-  <mc:AlternateContent xmlns:mc="http://schemas.openxmlformats.org/markup-compatibility/2006">
-    <mc:Choice xmlns:p14="http://schemas.microsoft.com/office/powerpoint/2010/main" Requires="p14">
+  <mc:AlternateContent xmlns:mc="http://schemas.openxmlformats.org/markup-compatibility/2006" xmlns:p14="http://schemas.microsoft.com/office/powerpoint/2010/main">
+    <mc:Choice Requires="p14">
       <p:transition spd="slow" p14:dur="2000" advTm="0"/>
     </mc:Choice>
-    <mc:Fallback>
+    <mc:Fallback xmlns="">
       <p:transition spd="slow" advTm="0"/>
     </mc:Fallback>
   </mc:AlternateContent>
@@ -6593,13 +6595,13 @@
   <p:clrMapOvr>
     <a:masterClrMapping/>
   </p:clrMapOvr>
-  <mc:AlternateContent xmlns:mc="http://schemas.openxmlformats.org/markup-compatibility/2006">
-    <mc:Choice xmlns:p14="http://schemas.microsoft.com/office/powerpoint/2010/main" Requires="p14">
+  <mc:AlternateContent xmlns:mc="http://schemas.openxmlformats.org/markup-compatibility/2006" xmlns:p14="http://schemas.microsoft.com/office/powerpoint/2010/main">
+    <mc:Choice Requires="p14">
       <p:transition p14:dur="250" advTm="0">
         <p:fade/>
       </p:transition>
     </mc:Choice>
-    <mc:Fallback>
+    <mc:Fallback xmlns="">
       <p:transition advTm="0">
         <p:fade/>
       </p:transition>
@@ -7496,13 +7498,13 @@
   <p:clrMapOvr>
     <a:masterClrMapping/>
   </p:clrMapOvr>
-  <mc:AlternateContent xmlns:mc="http://schemas.openxmlformats.org/markup-compatibility/2006">
-    <mc:Choice xmlns:p14="http://schemas.microsoft.com/office/powerpoint/2010/main" Requires="p14">
+  <mc:AlternateContent xmlns:mc="http://schemas.openxmlformats.org/markup-compatibility/2006" xmlns:p14="http://schemas.microsoft.com/office/powerpoint/2010/main">
+    <mc:Choice Requires="p14">
       <p:transition spd="med" p14:dur="700" advTm="0">
         <p:fade/>
       </p:transition>
     </mc:Choice>
-    <mc:Fallback>
+    <mc:Fallback xmlns="">
       <p:transition spd="med" advTm="0">
         <p:fade/>
       </p:transition>
@@ -8111,11 +8113,11 @@
   <p:clrMapOvr>
     <a:masterClrMapping/>
   </p:clrMapOvr>
-  <mc:AlternateContent xmlns:mc="http://schemas.openxmlformats.org/markup-compatibility/2006">
-    <mc:Choice xmlns:p14="http://schemas.microsoft.com/office/powerpoint/2010/main" Requires="p14">
+  <mc:AlternateContent xmlns:mc="http://schemas.openxmlformats.org/markup-compatibility/2006" xmlns:p14="http://schemas.microsoft.com/office/powerpoint/2010/main">
+    <mc:Choice Requires="p14">
       <p:transition spd="slow" p14:dur="2000" advTm="0"/>
     </mc:Choice>
-    <mc:Fallback>
+    <mc:Fallback xmlns="">
       <p:transition spd="slow" advTm="0"/>
     </mc:Fallback>
   </mc:AlternateContent>
@@ -8416,11 +8418,11 @@
   <p:clrMapOvr>
     <a:masterClrMapping/>
   </p:clrMapOvr>
-  <mc:AlternateContent xmlns:mc="http://schemas.openxmlformats.org/markup-compatibility/2006">
-    <mc:Choice xmlns:p14="http://schemas.microsoft.com/office/powerpoint/2010/main" Requires="p14">
+  <mc:AlternateContent xmlns:mc="http://schemas.openxmlformats.org/markup-compatibility/2006" xmlns:p14="http://schemas.microsoft.com/office/powerpoint/2010/main">
+    <mc:Choice Requires="p14">
       <p:transition spd="slow" p14:dur="2000" advClick="0" advTm="0"/>
     </mc:Choice>
-    <mc:Fallback>
+    <mc:Fallback xmlns="">
       <p:transition spd="slow" advClick="0" advTm="0"/>
     </mc:Fallback>
   </mc:AlternateContent>
@@ -8802,11 +8804,11 @@
   <p:clrMapOvr>
     <a:masterClrMapping/>
   </p:clrMapOvr>
-  <mc:AlternateContent xmlns:mc="http://schemas.openxmlformats.org/markup-compatibility/2006">
-    <mc:Choice xmlns:p14="http://schemas.microsoft.com/office/powerpoint/2010/main" Requires="p14">
+  <mc:AlternateContent xmlns:mc="http://schemas.openxmlformats.org/markup-compatibility/2006" xmlns:p14="http://schemas.microsoft.com/office/powerpoint/2010/main">
+    <mc:Choice Requires="p14">
       <p:transition spd="med" p14:dur="700" advTm="0"/>
     </mc:Choice>
-    <mc:Fallback>
+    <mc:Fallback xmlns="">
       <p:transition spd="med" advTm="0"/>
     </mc:Fallback>
   </mc:AlternateContent>
@@ -9527,11 +9529,11 @@
   <p:clrMapOvr>
     <a:masterClrMapping/>
   </p:clrMapOvr>
-  <mc:AlternateContent xmlns:mc="http://schemas.openxmlformats.org/markup-compatibility/2006">
-    <mc:Choice xmlns:p14="http://schemas.microsoft.com/office/powerpoint/2010/main" Requires="p14">
+  <mc:AlternateContent xmlns:mc="http://schemas.openxmlformats.org/markup-compatibility/2006" xmlns:p14="http://schemas.microsoft.com/office/powerpoint/2010/main">
+    <mc:Choice Requires="p14">
       <p:transition spd="med" p14:dur="700" advTm="1000"/>
     </mc:Choice>
-    <mc:Fallback>
+    <mc:Fallback xmlns="">
       <p:transition spd="med" advTm="1000"/>
     </mc:Fallback>
   </mc:AlternateContent>
@@ -10454,11 +10456,11 @@
   <p:clrMapOvr>
     <a:masterClrMapping/>
   </p:clrMapOvr>
-  <mc:AlternateContent xmlns:mc="http://schemas.openxmlformats.org/markup-compatibility/2006">
-    <mc:Choice xmlns:p14="http://schemas.microsoft.com/office/powerpoint/2010/main" Requires="p14">
+  <mc:AlternateContent xmlns:mc="http://schemas.openxmlformats.org/markup-compatibility/2006" xmlns:p14="http://schemas.microsoft.com/office/powerpoint/2010/main">
+    <mc:Choice Requires="p14">
       <p:transition spd="med" p14:dur="700" advClick="0" advTm="0"/>
     </mc:Choice>
-    <mc:Fallback>
+    <mc:Fallback xmlns="">
       <p:transition spd="med" advClick="0" advTm="0"/>
     </mc:Fallback>
   </mc:AlternateContent>
@@ -11294,11 +11296,11 @@
   <p:clrMapOvr>
     <a:masterClrMapping/>
   </p:clrMapOvr>
-  <mc:AlternateContent xmlns:mc="http://schemas.openxmlformats.org/markup-compatibility/2006">
-    <mc:Choice xmlns:p14="http://schemas.microsoft.com/office/powerpoint/2010/main" Requires="p14">
+  <mc:AlternateContent xmlns:mc="http://schemas.openxmlformats.org/markup-compatibility/2006" xmlns:p14="http://schemas.microsoft.com/office/powerpoint/2010/main">
+    <mc:Choice Requires="p14">
       <p:transition spd="med" p14:dur="700" advTm="1000"/>
     </mc:Choice>
-    <mc:Fallback>
+    <mc:Fallback xmlns="">
       <p:transition spd="med" advTm="1000"/>
     </mc:Fallback>
   </mc:AlternateContent>
@@ -12049,11 +12051,11 @@
   <p:clrMapOvr>
     <a:masterClrMapping/>
   </p:clrMapOvr>
-  <mc:AlternateContent xmlns:mc="http://schemas.openxmlformats.org/markup-compatibility/2006">
-    <mc:Choice xmlns:p14="http://schemas.microsoft.com/office/powerpoint/2010/main" Requires="p14">
+  <mc:AlternateContent xmlns:mc="http://schemas.openxmlformats.org/markup-compatibility/2006" xmlns:p14="http://schemas.microsoft.com/office/powerpoint/2010/main">
+    <mc:Choice Requires="p14">
       <p:transition spd="med" p14:dur="700" advClick="0" advTm="0"/>
     </mc:Choice>
-    <mc:Fallback>
+    <mc:Fallback xmlns="">
       <p:transition spd="med" advClick="0" advTm="0"/>
     </mc:Fallback>
   </mc:AlternateContent>
@@ -12889,11 +12891,11 @@
   <p:clrMapOvr>
     <a:masterClrMapping/>
   </p:clrMapOvr>
-  <mc:AlternateContent xmlns:mc="http://schemas.openxmlformats.org/markup-compatibility/2006">
-    <mc:Choice xmlns:p14="http://schemas.microsoft.com/office/powerpoint/2010/main" Requires="p14">
+  <mc:AlternateContent xmlns:mc="http://schemas.openxmlformats.org/markup-compatibility/2006" xmlns:p14="http://schemas.microsoft.com/office/powerpoint/2010/main">
+    <mc:Choice Requires="p14">
       <p:transition spd="med" p14:dur="700" advTm="1000"/>
     </mc:Choice>
-    <mc:Fallback>
+    <mc:Fallback xmlns="">
       <p:transition spd="med" advTm="1000"/>
     </mc:Fallback>
   </mc:AlternateContent>
@@ -13644,11 +13646,11 @@
   <p:clrMapOvr>
     <a:masterClrMapping/>
   </p:clrMapOvr>
-  <mc:AlternateContent xmlns:mc="http://schemas.openxmlformats.org/markup-compatibility/2006">
-    <mc:Choice xmlns:p14="http://schemas.microsoft.com/office/powerpoint/2010/main" Requires="p14">
+  <mc:AlternateContent xmlns:mc="http://schemas.openxmlformats.org/markup-compatibility/2006" xmlns:p14="http://schemas.microsoft.com/office/powerpoint/2010/main">
+    <mc:Choice Requires="p14">
       <p:transition spd="med" p14:dur="700" advClick="0" advTm="0"/>
     </mc:Choice>
-    <mc:Fallback>
+    <mc:Fallback xmlns="">
       <p:transition spd="med" advClick="0" advTm="0"/>
     </mc:Fallback>
   </mc:AlternateContent>
@@ -13992,11 +13994,11 @@
   <p:clrMapOvr>
     <a:masterClrMapping/>
   </p:clrMapOvr>
-  <mc:AlternateContent xmlns:mc="http://schemas.openxmlformats.org/markup-compatibility/2006">
-    <mc:Choice xmlns:p14="http://schemas.microsoft.com/office/powerpoint/2010/main" Requires="p14">
+  <mc:AlternateContent xmlns:mc="http://schemas.openxmlformats.org/markup-compatibility/2006" xmlns:p14="http://schemas.microsoft.com/office/powerpoint/2010/main">
+    <mc:Choice Requires="p14">
       <p:transition spd="slow" p14:dur="2000" advClick="0" advTm="0"/>
     </mc:Choice>
-    <mc:Fallback>
+    <mc:Fallback xmlns="">
       <p:transition spd="slow" advClick="0" advTm="0"/>
     </mc:Fallback>
   </mc:AlternateContent>
@@ -14856,11 +14858,11 @@
   <p:clrMapOvr>
     <a:masterClrMapping/>
   </p:clrMapOvr>
-  <mc:AlternateContent xmlns:mc="http://schemas.openxmlformats.org/markup-compatibility/2006">
-    <mc:Choice xmlns:p14="http://schemas.microsoft.com/office/powerpoint/2010/main" Requires="p14">
+  <mc:AlternateContent xmlns:mc="http://schemas.openxmlformats.org/markup-compatibility/2006" xmlns:p14="http://schemas.microsoft.com/office/powerpoint/2010/main">
+    <mc:Choice Requires="p14">
       <p:transition spd="med" p14:dur="700" advTm="1000"/>
     </mc:Choice>
-    <mc:Fallback>
+    <mc:Fallback xmlns="">
       <p:transition spd="med" advTm="1000"/>
     </mc:Fallback>
   </mc:AlternateContent>
@@ -14949,11 +14951,11 @@
   <p:clrMapOvr>
     <a:masterClrMapping/>
   </p:clrMapOvr>
-  <mc:AlternateContent xmlns:mc="http://schemas.openxmlformats.org/markup-compatibility/2006">
-    <mc:Choice xmlns:p14="http://schemas.microsoft.com/office/powerpoint/2010/main" Requires="p14">
+  <mc:AlternateContent xmlns:mc="http://schemas.openxmlformats.org/markup-compatibility/2006" xmlns:p14="http://schemas.microsoft.com/office/powerpoint/2010/main">
+    <mc:Choice Requires="p14">
       <p:transition spd="slow" p14:dur="2000" advTm="0"/>
     </mc:Choice>
-    <mc:Fallback>
+    <mc:Fallback xmlns="">
       <p:transition spd="slow" advTm="0"/>
     </mc:Fallback>
   </mc:AlternateContent>
@@ -15148,11 +15150,11 @@
   <p:clrMapOvr>
     <a:masterClrMapping/>
   </p:clrMapOvr>
-  <mc:AlternateContent xmlns:mc="http://schemas.openxmlformats.org/markup-compatibility/2006">
-    <mc:Choice xmlns:p14="http://schemas.microsoft.com/office/powerpoint/2010/main" Requires="p14">
+  <mc:AlternateContent xmlns:mc="http://schemas.openxmlformats.org/markup-compatibility/2006" xmlns:p14="http://schemas.microsoft.com/office/powerpoint/2010/main">
+    <mc:Choice Requires="p14">
       <p:transition spd="slow" p14:dur="2000" advTm="0"/>
     </mc:Choice>
-    <mc:Fallback>
+    <mc:Fallback xmlns="">
       <p:transition spd="slow" advTm="0"/>
     </mc:Fallback>
   </mc:AlternateContent>
@@ -15584,11 +15586,11 @@
   <p:clrMapOvr>
     <a:masterClrMapping/>
   </p:clrMapOvr>
-  <mc:AlternateContent xmlns:mc="http://schemas.openxmlformats.org/markup-compatibility/2006">
-    <mc:Choice xmlns:p14="http://schemas.microsoft.com/office/powerpoint/2010/main" Requires="p14">
+  <mc:AlternateContent xmlns:mc="http://schemas.openxmlformats.org/markup-compatibility/2006" xmlns:p14="http://schemas.microsoft.com/office/powerpoint/2010/main">
+    <mc:Choice Requires="p14">
       <p:transition spd="slow" p14:dur="2000" advClick="0" advTm="0"/>
     </mc:Choice>
-    <mc:Fallback>
+    <mc:Fallback xmlns="">
       <p:transition spd="slow" advClick="0" advTm="0"/>
     </mc:Fallback>
   </mc:AlternateContent>
@@ -16385,13 +16387,13 @@
   <p:clrMapOvr>
     <a:masterClrMapping/>
   </p:clrMapOvr>
-  <mc:AlternateContent xmlns:mc="http://schemas.openxmlformats.org/markup-compatibility/2006">
-    <mc:Choice xmlns:p14="http://schemas.microsoft.com/office/powerpoint/2010/main" Requires="p14">
+  <mc:AlternateContent xmlns:mc="http://schemas.openxmlformats.org/markup-compatibility/2006" xmlns:p14="http://schemas.microsoft.com/office/powerpoint/2010/main">
+    <mc:Choice Requires="p14">
       <p:transition spd="med" p14:dur="700" advTm="0">
         <p:fade/>
       </p:transition>
     </mc:Choice>
-    <mc:Fallback>
+    <mc:Fallback xmlns="">
       <p:transition spd="med" advTm="0">
         <p:fade/>
       </p:transition>
@@ -17486,13 +17488,13 @@
   <p:clrMapOvr>
     <a:masterClrMapping/>
   </p:clrMapOvr>
-  <mc:AlternateContent xmlns:mc="http://schemas.openxmlformats.org/markup-compatibility/2006">
-    <mc:Choice xmlns:p14="http://schemas.microsoft.com/office/powerpoint/2010/main" Requires="p14">
+  <mc:AlternateContent xmlns:mc="http://schemas.openxmlformats.org/markup-compatibility/2006" xmlns:p14="http://schemas.microsoft.com/office/powerpoint/2010/main">
+    <mc:Choice Requires="p14">
       <p:transition p14:dur="250" advTm="1000">
         <p:fade/>
       </p:transition>
     </mc:Choice>
-    <mc:Fallback>
+    <mc:Fallback xmlns="">
       <p:transition advTm="1000">
         <p:fade/>
       </p:transition>
@@ -18273,13 +18275,13 @@
   <p:clrMapOvr>
     <a:masterClrMapping/>
   </p:clrMapOvr>
-  <mc:AlternateContent xmlns:mc="http://schemas.openxmlformats.org/markup-compatibility/2006">
-    <mc:Choice xmlns:p14="http://schemas.microsoft.com/office/powerpoint/2010/main" Requires="p14">
+  <mc:AlternateContent xmlns:mc="http://schemas.openxmlformats.org/markup-compatibility/2006" xmlns:p14="http://schemas.microsoft.com/office/powerpoint/2010/main">
+    <mc:Choice Requires="p14">
       <p:transition p14:dur="250" advTm="1000">
         <p:fade/>
       </p:transition>
     </mc:Choice>
-    <mc:Fallback>
+    <mc:Fallback xmlns="">
       <p:transition advTm="1000">
         <p:fade/>
       </p:transition>
@@ -19279,13 +19281,13 @@
   <p:clrMapOvr>
     <a:masterClrMapping/>
   </p:clrMapOvr>
-  <mc:AlternateContent xmlns:mc="http://schemas.openxmlformats.org/markup-compatibility/2006">
-    <mc:Choice xmlns:p14="http://schemas.microsoft.com/office/powerpoint/2010/main" Requires="p14">
+  <mc:AlternateContent xmlns:mc="http://schemas.openxmlformats.org/markup-compatibility/2006" xmlns:p14="http://schemas.microsoft.com/office/powerpoint/2010/main">
+    <mc:Choice Requires="p14">
       <p:transition p14:dur="250" advTm="1000">
         <p:fade/>
       </p:transition>
     </mc:Choice>
-    <mc:Fallback>
+    <mc:Fallback xmlns="">
       <p:transition advTm="1000">
         <p:fade/>
       </p:transition>

--- a/doc/Landing page image - after.pptx
+++ b/doc/Landing page image - after.pptx
@@ -319,7 +319,7 @@
             <a:fld id="{1D8BD707-D9CF-40AE-B4C6-C98DA3205C09}" type="datetimeFigureOut">
               <a:rPr lang="en-US" smtClean="0"/>
               <a:pPr/>
-              <a:t>12/24/2013</a:t>
+              <a:t>12/25/2013</a:t>
             </a:fld>
             <a:endParaRPr lang="en-US"/>
           </a:p>
@@ -486,7 +486,7 @@
             <a:fld id="{1D8BD707-D9CF-40AE-B4C6-C98DA3205C09}" type="datetimeFigureOut">
               <a:rPr lang="en-US" smtClean="0"/>
               <a:pPr/>
-              <a:t>12/24/2013</a:t>
+              <a:t>12/25/2013</a:t>
             </a:fld>
             <a:endParaRPr lang="en-US"/>
           </a:p>
@@ -663,7 +663,7 @@
             <a:fld id="{1D8BD707-D9CF-40AE-B4C6-C98DA3205C09}" type="datetimeFigureOut">
               <a:rPr lang="en-US" smtClean="0"/>
               <a:pPr/>
-              <a:t>12/24/2013</a:t>
+              <a:t>12/25/2013</a:t>
             </a:fld>
             <a:endParaRPr lang="en-US"/>
           </a:p>
@@ -830,7 +830,7 @@
             <a:fld id="{1D8BD707-D9CF-40AE-B4C6-C98DA3205C09}" type="datetimeFigureOut">
               <a:rPr lang="en-US" smtClean="0"/>
               <a:pPr/>
-              <a:t>12/24/2013</a:t>
+              <a:t>12/25/2013</a:t>
             </a:fld>
             <a:endParaRPr lang="en-US"/>
           </a:p>
@@ -1080,7 +1080,7 @@
             <a:fld id="{1D8BD707-D9CF-40AE-B4C6-C98DA3205C09}" type="datetimeFigureOut">
               <a:rPr lang="en-US" smtClean="0"/>
               <a:pPr/>
-              <a:t>12/24/2013</a:t>
+              <a:t>12/25/2013</a:t>
             </a:fld>
             <a:endParaRPr lang="en-US"/>
           </a:p>
@@ -1365,7 +1365,7 @@
             <a:fld id="{1D8BD707-D9CF-40AE-B4C6-C98DA3205C09}" type="datetimeFigureOut">
               <a:rPr lang="en-US" smtClean="0"/>
               <a:pPr/>
-              <a:t>12/24/2013</a:t>
+              <a:t>12/25/2013</a:t>
             </a:fld>
             <a:endParaRPr lang="en-US"/>
           </a:p>
@@ -1784,7 +1784,7 @@
             <a:fld id="{1D8BD707-D9CF-40AE-B4C6-C98DA3205C09}" type="datetimeFigureOut">
               <a:rPr lang="en-US" smtClean="0"/>
               <a:pPr/>
-              <a:t>12/24/2013</a:t>
+              <a:t>12/25/2013</a:t>
             </a:fld>
             <a:endParaRPr lang="en-US"/>
           </a:p>
@@ -1899,7 +1899,7 @@
             <a:fld id="{1D8BD707-D9CF-40AE-B4C6-C98DA3205C09}" type="datetimeFigureOut">
               <a:rPr lang="en-US" smtClean="0"/>
               <a:pPr/>
-              <a:t>12/24/2013</a:t>
+              <a:t>12/25/2013</a:t>
             </a:fld>
             <a:endParaRPr lang="en-US"/>
           </a:p>
@@ -1991,7 +1991,7 @@
             <a:fld id="{1D8BD707-D9CF-40AE-B4C6-C98DA3205C09}" type="datetimeFigureOut">
               <a:rPr lang="en-US" smtClean="0"/>
               <a:pPr/>
-              <a:t>12/24/2013</a:t>
+              <a:t>12/25/2013</a:t>
             </a:fld>
             <a:endParaRPr lang="en-US"/>
           </a:p>
@@ -2265,7 +2265,7 @@
             <a:fld id="{1D8BD707-D9CF-40AE-B4C6-C98DA3205C09}" type="datetimeFigureOut">
               <a:rPr lang="en-US" smtClean="0"/>
               <a:pPr/>
-              <a:t>12/24/2013</a:t>
+              <a:t>12/25/2013</a:t>
             </a:fld>
             <a:endParaRPr lang="en-US"/>
           </a:p>
@@ -2515,7 +2515,7 @@
             <a:fld id="{1D8BD707-D9CF-40AE-B4C6-C98DA3205C09}" type="datetimeFigureOut">
               <a:rPr lang="en-US" smtClean="0"/>
               <a:pPr/>
-              <a:t>12/24/2013</a:t>
+              <a:t>12/25/2013</a:t>
             </a:fld>
             <a:endParaRPr lang="en-US"/>
           </a:p>
@@ -2725,7 +2725,7 @@
             <a:fld id="{1D8BD707-D9CF-40AE-B4C6-C98DA3205C09}" type="datetimeFigureOut">
               <a:rPr lang="en-US" smtClean="0"/>
               <a:pPr/>
-              <a:t>12/24/2013</a:t>
+              <a:t>12/25/2013</a:t>
             </a:fld>
             <a:endParaRPr lang="en-US"/>
           </a:p>
@@ -3246,11 +3246,11 @@
   <p:clrMapOvr>
     <a:masterClrMapping/>
   </p:clrMapOvr>
-  <mc:AlternateContent xmlns:mc="http://schemas.openxmlformats.org/markup-compatibility/2006">
-    <mc:Choice xmlns:p14="http://schemas.microsoft.com/office/powerpoint/2010/main" Requires="p14">
+  <mc:AlternateContent xmlns:mc="http://schemas.openxmlformats.org/markup-compatibility/2006" xmlns:p14="http://schemas.microsoft.com/office/powerpoint/2010/main">
+    <mc:Choice Requires="p14">
       <p:transition spd="slow" p14:dur="2000" advTm="2000"/>
     </mc:Choice>
-    <mc:Fallback>
+    <mc:Fallback xmlns="">
       <p:transition spd="slow" advTm="2000"/>
     </mc:Fallback>
   </mc:AlternateContent>
@@ -7498,16 +7498,12 @@
   <p:clrMapOvr>
     <a:masterClrMapping/>
   </p:clrMapOvr>
-  <mc:AlternateContent xmlns:mc="http://schemas.openxmlformats.org/markup-compatibility/2006" xmlns:p14="http://schemas.microsoft.com/office/powerpoint/2010/main">
-    <mc:Choice Requires="p14">
-      <p:transition spd="med" p14:dur="700" advTm="0">
-        <p:fade/>
-      </p:transition>
+  <mc:AlternateContent xmlns:mc="http://schemas.openxmlformats.org/markup-compatibility/2006">
+    <mc:Choice xmlns:p14="http://schemas.microsoft.com/office/powerpoint/2010/main" Requires="p14">
+      <p:transition p14:dur="0" advTm="0"/>
     </mc:Choice>
-    <mc:Fallback xmlns="">
-      <p:transition spd="med" advTm="0">
-        <p:fade/>
-      </p:transition>
+    <mc:Fallback>
+      <p:transition advTm="0"/>
     </mc:Fallback>
   </mc:AlternateContent>
   <p:timing>

--- a/doc/Landing page image - after.pptx
+++ b/doc/Landing page image - after.pptx
@@ -323,7 +323,7 @@
             <a:fld id="{1D8BD707-D9CF-40AE-B4C6-C98DA3205C09}" type="datetimeFigureOut">
               <a:rPr lang="en-US" smtClean="0"/>
               <a:pPr/>
-              <a:t>12/26/2013</a:t>
+              <a:t>12/27/2013</a:t>
             </a:fld>
             <a:endParaRPr lang="en-US"/>
           </a:p>
@@ -490,7 +490,7 @@
             <a:fld id="{1D8BD707-D9CF-40AE-B4C6-C98DA3205C09}" type="datetimeFigureOut">
               <a:rPr lang="en-US" smtClean="0"/>
               <a:pPr/>
-              <a:t>12/26/2013</a:t>
+              <a:t>12/27/2013</a:t>
             </a:fld>
             <a:endParaRPr lang="en-US"/>
           </a:p>
@@ -667,7 +667,7 @@
             <a:fld id="{1D8BD707-D9CF-40AE-B4C6-C98DA3205C09}" type="datetimeFigureOut">
               <a:rPr lang="en-US" smtClean="0"/>
               <a:pPr/>
-              <a:t>12/26/2013</a:t>
+              <a:t>12/27/2013</a:t>
             </a:fld>
             <a:endParaRPr lang="en-US"/>
           </a:p>
@@ -834,7 +834,7 @@
             <a:fld id="{1D8BD707-D9CF-40AE-B4C6-C98DA3205C09}" type="datetimeFigureOut">
               <a:rPr lang="en-US" smtClean="0"/>
               <a:pPr/>
-              <a:t>12/26/2013</a:t>
+              <a:t>12/27/2013</a:t>
             </a:fld>
             <a:endParaRPr lang="en-US"/>
           </a:p>
@@ -1084,7 +1084,7 @@
             <a:fld id="{1D8BD707-D9CF-40AE-B4C6-C98DA3205C09}" type="datetimeFigureOut">
               <a:rPr lang="en-US" smtClean="0"/>
               <a:pPr/>
-              <a:t>12/26/2013</a:t>
+              <a:t>12/27/2013</a:t>
             </a:fld>
             <a:endParaRPr lang="en-US"/>
           </a:p>
@@ -1369,7 +1369,7 @@
             <a:fld id="{1D8BD707-D9CF-40AE-B4C6-C98DA3205C09}" type="datetimeFigureOut">
               <a:rPr lang="en-US" smtClean="0"/>
               <a:pPr/>
-              <a:t>12/26/2013</a:t>
+              <a:t>12/27/2013</a:t>
             </a:fld>
             <a:endParaRPr lang="en-US"/>
           </a:p>
@@ -1788,7 +1788,7 @@
             <a:fld id="{1D8BD707-D9CF-40AE-B4C6-C98DA3205C09}" type="datetimeFigureOut">
               <a:rPr lang="en-US" smtClean="0"/>
               <a:pPr/>
-              <a:t>12/26/2013</a:t>
+              <a:t>12/27/2013</a:t>
             </a:fld>
             <a:endParaRPr lang="en-US"/>
           </a:p>
@@ -1903,7 +1903,7 @@
             <a:fld id="{1D8BD707-D9CF-40AE-B4C6-C98DA3205C09}" type="datetimeFigureOut">
               <a:rPr lang="en-US" smtClean="0"/>
               <a:pPr/>
-              <a:t>12/26/2013</a:t>
+              <a:t>12/27/2013</a:t>
             </a:fld>
             <a:endParaRPr lang="en-US"/>
           </a:p>
@@ -1995,7 +1995,7 @@
             <a:fld id="{1D8BD707-D9CF-40AE-B4C6-C98DA3205C09}" type="datetimeFigureOut">
               <a:rPr lang="en-US" smtClean="0"/>
               <a:pPr/>
-              <a:t>12/26/2013</a:t>
+              <a:t>12/27/2013</a:t>
             </a:fld>
             <a:endParaRPr lang="en-US"/>
           </a:p>
@@ -2269,7 +2269,7 @@
             <a:fld id="{1D8BD707-D9CF-40AE-B4C6-C98DA3205C09}" type="datetimeFigureOut">
               <a:rPr lang="en-US" smtClean="0"/>
               <a:pPr/>
-              <a:t>12/26/2013</a:t>
+              <a:t>12/27/2013</a:t>
             </a:fld>
             <a:endParaRPr lang="en-US"/>
           </a:p>
@@ -2519,7 +2519,7 @@
             <a:fld id="{1D8BD707-D9CF-40AE-B4C6-C98DA3205C09}" type="datetimeFigureOut">
               <a:rPr lang="en-US" smtClean="0"/>
               <a:pPr/>
-              <a:t>12/26/2013</a:t>
+              <a:t>12/27/2013</a:t>
             </a:fld>
             <a:endParaRPr lang="en-US"/>
           </a:p>
@@ -2729,7 +2729,7 @@
             <a:fld id="{1D8BD707-D9CF-40AE-B4C6-C98DA3205C09}" type="datetimeFigureOut">
               <a:rPr lang="en-US" smtClean="0"/>
               <a:pPr/>
-              <a:t>12/26/2013</a:t>
+              <a:t>12/27/2013</a:t>
             </a:fld>
             <a:endParaRPr lang="en-US"/>
           </a:p>
@@ -3154,10 +3154,9 @@
           <a:p>
             <a:pPr algn="ctr"/>
             <a:r>
-              <a:rPr lang="en-SG" sz="2400" b="1" dirty="0" smtClean="0"/>
+              <a:rPr lang="en-SG" sz="2400" b="1" dirty="0"/>
               <a:t>Phase A</a:t>
             </a:r>
-            <a:endParaRPr lang="en-SG" sz="2400" b="1" dirty="0"/>
           </a:p>
         </p:txBody>
       </p:sp>
@@ -3526,15 +3525,7 @@
                   <a:srgbClr val="0070C0"/>
                 </a:solidFill>
               </a:rPr>
-              <a:t>Phase </a:t>
-            </a:r>
-            <a:r>
-              <a:rPr lang="en-US" sz="2400" b="1" dirty="0" smtClean="0">
-                <a:solidFill>
-                  <a:srgbClr val="0070C0"/>
-                </a:solidFill>
-              </a:rPr>
-              <a:t>A</a:t>
+              <a:t>Phase A</a:t>
             </a:r>
             <a:endParaRPr lang="en-SG" sz="2400" b="1" dirty="0">
               <a:solidFill>
@@ -3756,11 +3747,11 @@
   <p:clrMapOvr>
     <a:masterClrMapping/>
   </p:clrMapOvr>
-  <mc:AlternateContent xmlns:mc="http://schemas.openxmlformats.org/markup-compatibility/2006">
-    <mc:Choice xmlns:p14="http://schemas.microsoft.com/office/powerpoint/2010/main" Requires="p14">
+  <mc:AlternateContent xmlns:mc="http://schemas.openxmlformats.org/markup-compatibility/2006" xmlns:p14="http://schemas.microsoft.com/office/powerpoint/2010/main">
+    <mc:Choice Requires="p14">
       <p:transition spd="med" p14:dur="700" advClick="0" advTm="0"/>
     </mc:Choice>
-    <mc:Fallback>
+    <mc:Fallback xmlns="">
       <p:transition spd="med" advClick="0" advTm="0"/>
     </mc:Fallback>
   </mc:AlternateContent>
@@ -4157,13 +4148,13 @@
   <p:clrMapOvr>
     <a:masterClrMapping/>
   </p:clrMapOvr>
-  <mc:AlternateContent xmlns:mc="http://schemas.openxmlformats.org/markup-compatibility/2006">
-    <mc:Choice xmlns:p14="http://schemas.microsoft.com/office/powerpoint/2010/main" Requires="p14">
+  <mc:AlternateContent xmlns:mc="http://schemas.openxmlformats.org/markup-compatibility/2006" xmlns:p14="http://schemas.microsoft.com/office/powerpoint/2010/main">
+    <mc:Choice Requires="p14">
       <p:transition spd="med" p14:dur="700" advTm="0">
         <p:fade/>
       </p:transition>
     </mc:Choice>
-    <mc:Fallback>
+    <mc:Fallback xmlns="">
       <p:transition spd="med" advTm="0">
         <p:fade/>
       </p:transition>
@@ -4385,13 +4376,13 @@
   <p:clrMapOvr>
     <a:masterClrMapping/>
   </p:clrMapOvr>
-  <mc:AlternateContent xmlns:mc="http://schemas.openxmlformats.org/markup-compatibility/2006">
-    <mc:Choice xmlns:p14="http://schemas.microsoft.com/office/powerpoint/2010/main" Requires="p14">
+  <mc:AlternateContent xmlns:mc="http://schemas.openxmlformats.org/markup-compatibility/2006" xmlns:p14="http://schemas.microsoft.com/office/powerpoint/2010/main">
+    <mc:Choice Requires="p14">
       <p:transition spd="med" p14:dur="700" advTm="0">
         <p:fade/>
       </p:transition>
     </mc:Choice>
-    <mc:Fallback>
+    <mc:Fallback xmlns="">
       <p:transition spd="med" advTm="0">
         <p:fade/>
       </p:transition>
@@ -4684,13 +4675,13 @@
   <p:clrMapOvr>
     <a:masterClrMapping/>
   </p:clrMapOvr>
-  <mc:AlternateContent xmlns:mc="http://schemas.openxmlformats.org/markup-compatibility/2006">
-    <mc:Choice xmlns:p14="http://schemas.microsoft.com/office/powerpoint/2010/main" Requires="p14">
+  <mc:AlternateContent xmlns:mc="http://schemas.openxmlformats.org/markup-compatibility/2006" xmlns:p14="http://schemas.microsoft.com/office/powerpoint/2010/main">
+    <mc:Choice Requires="p14">
       <p:transition spd="med" p14:dur="700" advTm="0">
         <p:fade/>
       </p:transition>
     </mc:Choice>
-    <mc:Fallback>
+    <mc:Fallback xmlns="">
       <p:transition spd="med" advTm="0">
         <p:fade/>
       </p:transition>
@@ -5013,11 +5004,11 @@
   <p:clrMapOvr>
     <a:masterClrMapping/>
   </p:clrMapOvr>
-  <mc:AlternateContent xmlns:mc="http://schemas.openxmlformats.org/markup-compatibility/2006">
-    <mc:Choice xmlns:p14="http://schemas.microsoft.com/office/powerpoint/2010/main" Requires="p14">
+  <mc:AlternateContent xmlns:mc="http://schemas.openxmlformats.org/markup-compatibility/2006" xmlns:p14="http://schemas.microsoft.com/office/powerpoint/2010/main">
+    <mc:Choice Requires="p14">
       <p:transition spd="med" p14:dur="700" advClick="0" advTm="0"/>
     </mc:Choice>
-    <mc:Fallback>
+    <mc:Fallback xmlns="">
       <p:transition spd="med" advClick="0" advTm="0"/>
     </mc:Fallback>
   </mc:AlternateContent>
@@ -5421,11 +5412,11 @@
   <p:clrMapOvr>
     <a:masterClrMapping/>
   </p:clrMapOvr>
-  <mc:AlternateContent xmlns:mc="http://schemas.openxmlformats.org/markup-compatibility/2006">
-    <mc:Choice xmlns:p14="http://schemas.microsoft.com/office/powerpoint/2010/main" Requires="p14">
+  <mc:AlternateContent xmlns:mc="http://schemas.openxmlformats.org/markup-compatibility/2006" xmlns:p14="http://schemas.microsoft.com/office/powerpoint/2010/main">
+    <mc:Choice Requires="p14">
       <p:transition spd="med" p14:dur="700" advTm="0"/>
     </mc:Choice>
-    <mc:Fallback>
+    <mc:Fallback xmlns="">
       <p:transition spd="med" advTm="0"/>
     </mc:Fallback>
   </mc:AlternateContent>
@@ -5530,13 +5521,13 @@
   <p:clrMapOvr>
     <a:masterClrMapping/>
   </p:clrMapOvr>
-  <mc:AlternateContent xmlns:mc="http://schemas.openxmlformats.org/markup-compatibility/2006">
-    <mc:Choice xmlns:p14="http://schemas.microsoft.com/office/powerpoint/2010/main" Requires="p14">
+  <mc:AlternateContent xmlns:mc="http://schemas.openxmlformats.org/markup-compatibility/2006" xmlns:p14="http://schemas.microsoft.com/office/powerpoint/2010/main">
+    <mc:Choice Requires="p14">
       <p:transition spd="med" p14:dur="700" advTm="0">
         <p:fade/>
       </p:transition>
     </mc:Choice>
-    <mc:Fallback>
+    <mc:Fallback xmlns="">
       <p:transition spd="med" advTm="0">
         <p:fade/>
       </p:transition>
@@ -6243,13 +6234,13 @@
   <p:clrMapOvr>
     <a:masterClrMapping/>
   </p:clrMapOvr>
-  <mc:AlternateContent xmlns:mc="http://schemas.openxmlformats.org/markup-compatibility/2006">
-    <mc:Choice xmlns:p14="http://schemas.microsoft.com/office/powerpoint/2010/main" Requires="p14">
+  <mc:AlternateContent xmlns:mc="http://schemas.openxmlformats.org/markup-compatibility/2006" xmlns:p14="http://schemas.microsoft.com/office/powerpoint/2010/main">
+    <mc:Choice Requires="p14">
       <p:transition spd="med" p14:dur="700" advTm="1000">
         <p:fade/>
       </p:transition>
     </mc:Choice>
-    <mc:Fallback>
+    <mc:Fallback xmlns="">
       <p:transition spd="med" advTm="1000">
         <p:fade/>
       </p:transition>
@@ -6600,13 +6591,13 @@
   <p:clrMapOvr>
     <a:masterClrMapping/>
   </p:clrMapOvr>
-  <mc:AlternateContent xmlns:mc="http://schemas.openxmlformats.org/markup-compatibility/2006">
-    <mc:Choice xmlns:p14="http://schemas.microsoft.com/office/powerpoint/2010/main" Requires="p14">
+  <mc:AlternateContent xmlns:mc="http://schemas.openxmlformats.org/markup-compatibility/2006" xmlns:p14="http://schemas.microsoft.com/office/powerpoint/2010/main">
+    <mc:Choice Requires="p14">
       <p:transition spd="med" p14:dur="700" advTm="1000">
         <p:fade/>
       </p:transition>
     </mc:Choice>
-    <mc:Fallback>
+    <mc:Fallback xmlns="">
       <p:transition spd="med" advTm="1000">
         <p:fade/>
       </p:transition>
@@ -6844,15 +6835,7 @@
                   <a:srgbClr val="0070C0"/>
                 </a:solidFill>
               </a:rPr>
-              <a:t>Phase </a:t>
-            </a:r>
-            <a:r>
-              <a:rPr lang="en-US" sz="2400" b="1" dirty="0" smtClean="0">
-                <a:solidFill>
-                  <a:srgbClr val="0070C0"/>
-                </a:solidFill>
-              </a:rPr>
-              <a:t>A</a:t>
+              <a:t>Phase A</a:t>
             </a:r>
             <a:endParaRPr lang="en-SG" sz="2400" b="1" dirty="0">
               <a:solidFill>
@@ -6872,13 +6855,13 @@
   <p:clrMapOvr>
     <a:masterClrMapping/>
   </p:clrMapOvr>
-  <mc:AlternateContent xmlns:mc="http://schemas.openxmlformats.org/markup-compatibility/2006">
-    <mc:Choice xmlns:p14="http://schemas.microsoft.com/office/powerpoint/2010/main" Requires="p14">
+  <mc:AlternateContent xmlns:mc="http://schemas.openxmlformats.org/markup-compatibility/2006" xmlns:p14="http://schemas.microsoft.com/office/powerpoint/2010/main">
+    <mc:Choice Requires="p14">
       <p:transition spd="med" p14:dur="700" advTm="0">
         <p:fade/>
       </p:transition>
     </mc:Choice>
-    <mc:Fallback>
+    <mc:Fallback xmlns="">
       <p:transition spd="med" advTm="0">
         <p:fade/>
       </p:transition>
@@ -7229,13 +7212,13 @@
   <p:clrMapOvr>
     <a:masterClrMapping/>
   </p:clrMapOvr>
-  <mc:AlternateContent xmlns:mc="http://schemas.openxmlformats.org/markup-compatibility/2006">
-    <mc:Choice xmlns:p14="http://schemas.microsoft.com/office/powerpoint/2010/main" Requires="p14">
+  <mc:AlternateContent xmlns:mc="http://schemas.openxmlformats.org/markup-compatibility/2006" xmlns:p14="http://schemas.microsoft.com/office/powerpoint/2010/main">
+    <mc:Choice Requires="p14">
       <p:transition spd="med" p14:dur="700" advTm="1000">
         <p:fade/>
       </p:transition>
     </mc:Choice>
-    <mc:Fallback>
+    <mc:Fallback xmlns="">
       <p:transition spd="med" advTm="1000">
         <p:fade/>
       </p:transition>
@@ -7342,13 +7325,13 @@
   <p:clrMapOvr>
     <a:masterClrMapping/>
   </p:clrMapOvr>
-  <mc:AlternateContent xmlns:mc="http://schemas.openxmlformats.org/markup-compatibility/2006">
-    <mc:Choice xmlns:p14="http://schemas.microsoft.com/office/powerpoint/2010/main" Requires="p14">
+  <mc:AlternateContent xmlns:mc="http://schemas.openxmlformats.org/markup-compatibility/2006" xmlns:p14="http://schemas.microsoft.com/office/powerpoint/2010/main">
+    <mc:Choice Requires="p14">
       <p:transition spd="med" p14:dur="700" advTm="0">
         <p:fade/>
       </p:transition>
     </mc:Choice>
-    <mc:Fallback>
+    <mc:Fallback xmlns="">
       <p:transition spd="med" advTm="0">
         <p:fade/>
       </p:transition>
@@ -7490,10 +7473,10 @@
             <a:p>
               <a:pPr algn="ctr"/>
               <a:r>
-                <a:rPr lang="en-US" sz="2400" b="1" dirty="0"/>
+                <a:rPr lang="en-US" sz="19900" b="1" dirty="0"/>
                 <a:t>Phase C</a:t>
               </a:r>
-              <a:endParaRPr lang="en-SG" sz="2400" b="1" dirty="0"/>
+              <a:endParaRPr lang="en-SG" sz="19900" b="1" dirty="0"/>
             </a:p>
           </p:txBody>
         </p:sp>
@@ -7673,11 +7656,11 @@
   <p:clrMapOvr>
     <a:masterClrMapping/>
   </p:clrMapOvr>
-  <mc:AlternateContent xmlns:mc="http://schemas.openxmlformats.org/markup-compatibility/2006">
-    <mc:Choice xmlns:p14="http://schemas.microsoft.com/office/powerpoint/2010/main" Requires="p14">
+  <mc:AlternateContent xmlns:mc="http://schemas.openxmlformats.org/markup-compatibility/2006" xmlns:p14="http://schemas.microsoft.com/office/powerpoint/2010/main">
+    <mc:Choice Requires="p14">
       <p:transition spd="med" p14:dur="700" advClick="0" advTm="0"/>
     </mc:Choice>
-    <mc:Fallback>
+    <mc:Fallback xmlns="">
       <p:transition spd="med" advClick="0" advTm="0"/>
     </mc:Fallback>
   </mc:AlternateContent>
@@ -8064,13 +8047,13 @@
   <p:clrMapOvr>
     <a:masterClrMapping/>
   </p:clrMapOvr>
-  <mc:AlternateContent xmlns:mc="http://schemas.openxmlformats.org/markup-compatibility/2006">
-    <mc:Choice xmlns:p14="http://schemas.microsoft.com/office/powerpoint/2010/main" Requires="p14">
+  <mc:AlternateContent xmlns:mc="http://schemas.openxmlformats.org/markup-compatibility/2006" xmlns:p14="http://schemas.microsoft.com/office/powerpoint/2010/main">
+    <mc:Choice Requires="p14">
       <p:transition spd="med" p14:dur="700" advTm="0">
         <p:fade/>
       </p:transition>
     </mc:Choice>
-    <mc:Fallback>
+    <mc:Fallback xmlns="">
       <p:transition spd="med" advTm="0">
         <p:fade/>
       </p:transition>
@@ -8359,13 +8342,13 @@
   <p:clrMapOvr>
     <a:masterClrMapping/>
   </p:clrMapOvr>
-  <mc:AlternateContent xmlns:mc="http://schemas.openxmlformats.org/markup-compatibility/2006">
-    <mc:Choice xmlns:p14="http://schemas.microsoft.com/office/powerpoint/2010/main" Requires="p14">
+  <mc:AlternateContent xmlns:mc="http://schemas.openxmlformats.org/markup-compatibility/2006" xmlns:p14="http://schemas.microsoft.com/office/powerpoint/2010/main">
+    <mc:Choice Requires="p14">
       <p:transition spd="med" p14:dur="700" advTm="0">
         <p:fade/>
       </p:transition>
     </mc:Choice>
-    <mc:Fallback>
+    <mc:Fallback xmlns="">
       <p:transition spd="med" advTm="0">
         <p:fade/>
       </p:transition>
@@ -8659,8 +8642,8 @@
             </a:avLst>
           </a:prstGeom>
           <a:solidFill>
-            <a:srgbClr val="FFFF00">
-              <a:alpha val="57000"/>
+            <a:srgbClr val="0070C0">
+              <a:alpha val="76000"/>
             </a:srgbClr>
           </a:solidFill>
           <a:ln>
@@ -8690,8 +8673,8 @@
           <a:bodyPr rtlCol="0" anchor="ctr"/>
           <a:lstStyle/>
           <a:p>
-            <a:pPr algn="ctr"/>
-            <a:endParaRPr lang="en-SG"/>
+            <a:pPr algn="ctr" defTabSz="365760"/>
+            <a:endParaRPr lang="en-SG" sz="700"/>
           </a:p>
         </p:txBody>
       </p:sp>
@@ -8839,7 +8822,7 @@
             </a:prstGeom>
             <a:solidFill>
               <a:schemeClr val="bg1">
-                <a:lumMod val="75000"/>
+                <a:lumMod val="85000"/>
               </a:schemeClr>
             </a:solidFill>
             <a:ln>
@@ -8887,7 +8870,7 @@
             </a:prstGeom>
             <a:solidFill>
               <a:schemeClr val="bg1">
-                <a:lumMod val="75000"/>
+                <a:lumMod val="85000"/>
               </a:schemeClr>
             </a:solidFill>
             <a:ln>
@@ -8935,7 +8918,7 @@
             </a:prstGeom>
             <a:solidFill>
               <a:schemeClr val="bg1">
-                <a:lumMod val="75000"/>
+                <a:lumMod val="85000"/>
               </a:schemeClr>
             </a:solidFill>
             <a:ln>
@@ -8982,9 +8965,8 @@
               <a:avLst/>
             </a:prstGeom>
             <a:solidFill>
-              <a:schemeClr val="tx1">
-                <a:lumMod val="50000"/>
-                <a:lumOff val="50000"/>
+              <a:schemeClr val="bg1">
+                <a:lumMod val="85000"/>
               </a:schemeClr>
             </a:solidFill>
             <a:ln>
@@ -9508,13 +9490,13 @@
   <p:clrMapOvr>
     <a:masterClrMapping/>
   </p:clrMapOvr>
-  <mc:AlternateContent xmlns:mc="http://schemas.openxmlformats.org/markup-compatibility/2006">
-    <mc:Choice xmlns:p14="http://schemas.microsoft.com/office/powerpoint/2010/main" Requires="p14">
+  <mc:AlternateContent xmlns:mc="http://schemas.openxmlformats.org/markup-compatibility/2006" xmlns:p14="http://schemas.microsoft.com/office/powerpoint/2010/main">
+    <mc:Choice Requires="p14">
       <p:transition spd="med" p14:dur="700" advTm="0">
         <p:fade/>
       </p:transition>
     </mc:Choice>
-    <mc:Fallback>
+    <mc:Fallback xmlns="">
       <p:transition spd="med" advTm="0">
         <p:fade/>
       </p:transition>
@@ -10002,8 +9984,8 @@
             </a:avLst>
           </a:prstGeom>
           <a:solidFill>
-            <a:srgbClr val="FFFF00">
-              <a:alpha val="57000"/>
+            <a:srgbClr val="0070C0">
+              <a:alpha val="76000"/>
             </a:srgbClr>
           </a:solidFill>
           <a:ln>
@@ -10033,8 +10015,8 @@
           <a:bodyPr rtlCol="0" anchor="ctr"/>
           <a:lstStyle/>
           <a:p>
-            <a:pPr algn="ctr"/>
-            <a:endParaRPr lang="en-SG"/>
+            <a:pPr algn="ctr" defTabSz="365760"/>
+            <a:endParaRPr lang="en-SG" sz="700"/>
           </a:p>
         </p:txBody>
       </p:sp>
@@ -10881,11 +10863,11 @@
   <p:clrMapOvr>
     <a:masterClrMapping/>
   </p:clrMapOvr>
-  <mc:AlternateContent xmlns:mc="http://schemas.openxmlformats.org/markup-compatibility/2006">
-    <mc:Choice xmlns:p14="http://schemas.microsoft.com/office/powerpoint/2010/main" Requires="p14">
+  <mc:AlternateContent xmlns:mc="http://schemas.openxmlformats.org/markup-compatibility/2006" xmlns:p14="http://schemas.microsoft.com/office/powerpoint/2010/main">
+    <mc:Choice Requires="p14">
       <p:transition spd="med" p14:dur="700" advClick="0" advTm="0"/>
     </mc:Choice>
-    <mc:Fallback>
+    <mc:Fallback xmlns="">
       <p:transition spd="med" advClick="0" advTm="0"/>
     </mc:Fallback>
   </mc:AlternateContent>
@@ -11292,8 +11274,8 @@
             </a:avLst>
           </a:prstGeom>
           <a:solidFill>
-            <a:srgbClr val="FFFF00">
-              <a:alpha val="57000"/>
+            <a:srgbClr val="0070C0">
+              <a:alpha val="76000"/>
             </a:srgbClr>
           </a:solidFill>
           <a:ln>
@@ -11323,8 +11305,8 @@
           <a:bodyPr rtlCol="0" anchor="ctr"/>
           <a:lstStyle/>
           <a:p>
-            <a:pPr algn="ctr"/>
-            <a:endParaRPr lang="en-SG"/>
+            <a:pPr algn="ctr" defTabSz="365760"/>
+            <a:endParaRPr lang="en-SG" sz="700"/>
           </a:p>
         </p:txBody>
       </p:sp>
@@ -11665,7 +11647,7 @@
             </a:prstGeom>
             <a:solidFill>
               <a:schemeClr val="bg1">
-                <a:lumMod val="75000"/>
+                <a:lumMod val="85000"/>
               </a:schemeClr>
             </a:solidFill>
             <a:ln>
@@ -11713,7 +11695,7 @@
             </a:prstGeom>
             <a:solidFill>
               <a:schemeClr val="bg1">
-                <a:lumMod val="75000"/>
+                <a:lumMod val="85000"/>
               </a:schemeClr>
             </a:solidFill>
             <a:ln>
@@ -11760,9 +11742,8 @@
               <a:avLst/>
             </a:prstGeom>
             <a:solidFill>
-              <a:schemeClr val="tx1">
-                <a:lumMod val="50000"/>
-                <a:lumOff val="50000"/>
+              <a:schemeClr val="bg1">
+                <a:lumMod val="85000"/>
               </a:schemeClr>
             </a:solidFill>
             <a:ln>
@@ -12141,11 +12122,11 @@
   <p:clrMapOvr>
     <a:masterClrMapping/>
   </p:clrMapOvr>
-  <mc:AlternateContent xmlns:mc="http://schemas.openxmlformats.org/markup-compatibility/2006">
-    <mc:Choice xmlns:p14="http://schemas.microsoft.com/office/powerpoint/2010/main" Requires="p14">
+  <mc:AlternateContent xmlns:mc="http://schemas.openxmlformats.org/markup-compatibility/2006" xmlns:p14="http://schemas.microsoft.com/office/powerpoint/2010/main">
+    <mc:Choice Requires="p14">
       <p:transition spd="med" p14:dur="700" advTm="1000"/>
     </mc:Choice>
-    <mc:Fallback>
+    <mc:Fallback xmlns="">
       <p:transition spd="med" advTm="1000"/>
     </mc:Fallback>
   </mc:AlternateContent>
@@ -12437,8 +12418,8 @@
             </a:avLst>
           </a:prstGeom>
           <a:solidFill>
-            <a:srgbClr val="FFFF00">
-              <a:alpha val="57000"/>
+            <a:srgbClr val="0070C0">
+              <a:alpha val="76000"/>
             </a:srgbClr>
           </a:solidFill>
           <a:ln>
@@ -12468,8 +12449,8 @@
           <a:bodyPr rtlCol="0" anchor="ctr"/>
           <a:lstStyle/>
           <a:p>
-            <a:pPr algn="ctr"/>
-            <a:endParaRPr lang="en-SG"/>
+            <a:pPr algn="ctr" defTabSz="365760"/>
+            <a:endParaRPr lang="en-SG" sz="700"/>
           </a:p>
         </p:txBody>
       </p:sp>
@@ -13316,11 +13297,11 @@
   <p:clrMapOvr>
     <a:masterClrMapping/>
   </p:clrMapOvr>
-  <mc:AlternateContent xmlns:mc="http://schemas.openxmlformats.org/markup-compatibility/2006">
-    <mc:Choice xmlns:p14="http://schemas.microsoft.com/office/powerpoint/2010/main" Requires="p14">
+  <mc:AlternateContent xmlns:mc="http://schemas.openxmlformats.org/markup-compatibility/2006" xmlns:p14="http://schemas.microsoft.com/office/powerpoint/2010/main">
+    <mc:Choice Requires="p14">
       <p:transition spd="med" p14:dur="700" advClick="0" advTm="0"/>
     </mc:Choice>
-    <mc:Fallback>
+    <mc:Fallback xmlns="">
       <p:transition spd="med" advClick="0" advTm="0"/>
     </mc:Fallback>
   </mc:AlternateContent>
@@ -13727,8 +13708,8 @@
             </a:avLst>
           </a:prstGeom>
           <a:solidFill>
-            <a:srgbClr val="FFFF00">
-              <a:alpha val="57000"/>
+            <a:srgbClr val="0070C0">
+              <a:alpha val="76000"/>
             </a:srgbClr>
           </a:solidFill>
           <a:ln>
@@ -13758,8 +13739,8 @@
           <a:bodyPr rtlCol="0" anchor="ctr"/>
           <a:lstStyle/>
           <a:p>
-            <a:pPr algn="ctr"/>
-            <a:endParaRPr lang="en-SG"/>
+            <a:pPr algn="ctr" defTabSz="365760"/>
+            <a:endParaRPr lang="en-SG" sz="700"/>
           </a:p>
         </p:txBody>
       </p:sp>
@@ -14389,7 +14370,7 @@
             </a:prstGeom>
             <a:solidFill>
               <a:schemeClr val="bg1">
-                <a:lumMod val="65000"/>
+                <a:lumMod val="85000"/>
               </a:schemeClr>
             </a:solidFill>
             <a:ln>
@@ -14576,11 +14557,11 @@
   <p:clrMapOvr>
     <a:masterClrMapping/>
   </p:clrMapOvr>
-  <mc:AlternateContent xmlns:mc="http://schemas.openxmlformats.org/markup-compatibility/2006">
-    <mc:Choice xmlns:p14="http://schemas.microsoft.com/office/powerpoint/2010/main" Requires="p14">
+  <mc:AlternateContent xmlns:mc="http://schemas.openxmlformats.org/markup-compatibility/2006" xmlns:p14="http://schemas.microsoft.com/office/powerpoint/2010/main">
+    <mc:Choice Requires="p14">
       <p:transition spd="med" p14:dur="700" advTm="1000"/>
     </mc:Choice>
-    <mc:Fallback>
+    <mc:Fallback xmlns="">
       <p:transition spd="med" advTm="1000"/>
     </mc:Fallback>
   </mc:AlternateContent>
@@ -15009,15 +14990,7 @@
                   <a:srgbClr val="0070C0"/>
                 </a:solidFill>
               </a:rPr>
-              <a:t>Phase </a:t>
-            </a:r>
-            <a:r>
-              <a:rPr lang="en-US" sz="2400" b="1" dirty="0" smtClean="0">
-                <a:solidFill>
-                  <a:srgbClr val="0070C0"/>
-                </a:solidFill>
-              </a:rPr>
-              <a:t>A</a:t>
+              <a:t>Phase A</a:t>
             </a:r>
             <a:endParaRPr lang="en-SG" sz="2400" b="1" dirty="0">
               <a:solidFill>
@@ -15037,11 +15010,11 @@
   <p:clrMapOvr>
     <a:masterClrMapping/>
   </p:clrMapOvr>
-  <mc:AlternateContent xmlns:mc="http://schemas.openxmlformats.org/markup-compatibility/2006">
-    <mc:Choice xmlns:p14="http://schemas.microsoft.com/office/powerpoint/2010/main" Requires="p14">
+  <mc:AlternateContent xmlns:mc="http://schemas.openxmlformats.org/markup-compatibility/2006" xmlns:p14="http://schemas.microsoft.com/office/powerpoint/2010/main">
+    <mc:Choice Requires="p14">
       <p:transition spd="med" p14:dur="700" advClick="0" advTm="0"/>
     </mc:Choice>
-    <mc:Fallback>
+    <mc:Fallback xmlns="">
       <p:transition spd="med" advClick="0" advTm="0"/>
     </mc:Fallback>
   </mc:AlternateContent>
@@ -15484,8 +15457,8 @@
             </a:avLst>
           </a:prstGeom>
           <a:solidFill>
-            <a:srgbClr val="FFFF00">
-              <a:alpha val="57000"/>
+            <a:srgbClr val="0070C0">
+              <a:alpha val="76000"/>
             </a:srgbClr>
           </a:solidFill>
           <a:ln>
@@ -15515,8 +15488,8 @@
           <a:bodyPr rtlCol="0" anchor="ctr"/>
           <a:lstStyle/>
           <a:p>
-            <a:pPr algn="ctr"/>
-            <a:endParaRPr lang="en-SG"/>
+            <a:pPr algn="ctr" defTabSz="365760"/>
+            <a:endParaRPr lang="en-SG" sz="700"/>
           </a:p>
         </p:txBody>
       </p:sp>
@@ -16363,11 +16336,11 @@
   <p:clrMapOvr>
     <a:masterClrMapping/>
   </p:clrMapOvr>
-  <mc:AlternateContent xmlns:mc="http://schemas.openxmlformats.org/markup-compatibility/2006">
-    <mc:Choice xmlns:p14="http://schemas.microsoft.com/office/powerpoint/2010/main" Requires="p14">
+  <mc:AlternateContent xmlns:mc="http://schemas.openxmlformats.org/markup-compatibility/2006" xmlns:p14="http://schemas.microsoft.com/office/powerpoint/2010/main">
+    <mc:Choice Requires="p14">
       <p:transition spd="med" p14:dur="700" advClick="0" advTm="0"/>
     </mc:Choice>
-    <mc:Fallback>
+    <mc:Fallback xmlns="">
       <p:transition spd="med" advClick="0" advTm="0"/>
     </mc:Fallback>
   </mc:AlternateContent>
@@ -16774,8 +16747,8 @@
             </a:avLst>
           </a:prstGeom>
           <a:solidFill>
-            <a:srgbClr val="FFFF00">
-              <a:alpha val="57000"/>
+            <a:srgbClr val="0070C0">
+              <a:alpha val="76000"/>
             </a:srgbClr>
           </a:solidFill>
           <a:ln>
@@ -16805,8 +16778,8 @@
           <a:bodyPr rtlCol="0" anchor="ctr"/>
           <a:lstStyle/>
           <a:p>
-            <a:pPr algn="ctr"/>
-            <a:endParaRPr lang="en-SG"/>
+            <a:pPr algn="ctr" defTabSz="365760"/>
+            <a:endParaRPr lang="en-SG" sz="700"/>
           </a:p>
         </p:txBody>
       </p:sp>
@@ -17580,7 +17553,7 @@
             </a:prstGeom>
             <a:solidFill>
               <a:schemeClr val="bg1">
-                <a:lumMod val="65000"/>
+                <a:lumMod val="85000"/>
               </a:schemeClr>
             </a:solidFill>
             <a:ln>
@@ -17623,11 +17596,11 @@
   <p:clrMapOvr>
     <a:masterClrMapping/>
   </p:clrMapOvr>
-  <mc:AlternateContent xmlns:mc="http://schemas.openxmlformats.org/markup-compatibility/2006">
-    <mc:Choice xmlns:p14="http://schemas.microsoft.com/office/powerpoint/2010/main" Requires="p14">
+  <mc:AlternateContent xmlns:mc="http://schemas.openxmlformats.org/markup-compatibility/2006" xmlns:p14="http://schemas.microsoft.com/office/powerpoint/2010/main">
+    <mc:Choice Requires="p14">
       <p:transition spd="med" p14:dur="700" advTm="1000"/>
     </mc:Choice>
-    <mc:Fallback>
+    <mc:Fallback xmlns="">
       <p:transition spd="med" advTm="1000"/>
     </mc:Fallback>
   </mc:AlternateContent>
@@ -18715,11 +18688,11 @@
   <p:clrMapOvr>
     <a:masterClrMapping/>
   </p:clrMapOvr>
-  <mc:AlternateContent xmlns:mc="http://schemas.openxmlformats.org/markup-compatibility/2006">
-    <mc:Choice xmlns:p14="http://schemas.microsoft.com/office/powerpoint/2010/main" Requires="p14">
+  <mc:AlternateContent xmlns:mc="http://schemas.openxmlformats.org/markup-compatibility/2006" xmlns:p14="http://schemas.microsoft.com/office/powerpoint/2010/main">
+    <mc:Choice Requires="p14">
       <p:transition spd="med" p14:dur="700" advTm="0"/>
     </mc:Choice>
-    <mc:Fallback>
+    <mc:Fallback xmlns="">
       <p:transition spd="med" advTm="0"/>
     </mc:Fallback>
   </mc:AlternateContent>
@@ -19161,13 +19134,13 @@
   <p:clrMapOvr>
     <a:masterClrMapping/>
   </p:clrMapOvr>
-  <mc:AlternateContent xmlns:mc="http://schemas.openxmlformats.org/markup-compatibility/2006">
-    <mc:Choice xmlns:p14="http://schemas.microsoft.com/office/powerpoint/2010/main" Requires="p14">
+  <mc:AlternateContent xmlns:mc="http://schemas.openxmlformats.org/markup-compatibility/2006" xmlns:p14="http://schemas.microsoft.com/office/powerpoint/2010/main">
+    <mc:Choice Requires="p14">
       <p:transition spd="med" p14:dur="700" advTm="0">
         <p:fade/>
       </p:transition>
     </mc:Choice>
-    <mc:Fallback>
+    <mc:Fallback xmlns="">
       <p:transition spd="med" advTm="0">
         <p:fade/>
       </p:transition>
@@ -19372,13 +19345,13 @@
   <p:clrMapOvr>
     <a:masterClrMapping/>
   </p:clrMapOvr>
-  <mc:AlternateContent xmlns:mc="http://schemas.openxmlformats.org/markup-compatibility/2006">
-    <mc:Choice xmlns:p14="http://schemas.microsoft.com/office/powerpoint/2010/main" Requires="p14">
+  <mc:AlternateContent xmlns:mc="http://schemas.openxmlformats.org/markup-compatibility/2006" xmlns:p14="http://schemas.microsoft.com/office/powerpoint/2010/main">
+    <mc:Choice Requires="p14">
       <p:transition spd="med" p14:dur="700" advTm="0">
         <p:fade/>
       </p:transition>
     </mc:Choice>
-    <mc:Fallback>
+    <mc:Fallback xmlns="">
       <p:transition spd="med" advTm="0">
         <p:fade/>
       </p:transition>
@@ -19848,15 +19821,7 @@
                   <a:srgbClr val="0070C0"/>
                 </a:solidFill>
               </a:rPr>
-              <a:t>Phase </a:t>
-            </a:r>
-            <a:r>
-              <a:rPr lang="en-US" sz="2400" b="1" dirty="0" smtClean="0">
-                <a:solidFill>
-                  <a:srgbClr val="0070C0"/>
-                </a:solidFill>
-              </a:rPr>
-              <a:t>A</a:t>
+              <a:t>Phase A</a:t>
             </a:r>
             <a:endParaRPr lang="en-SG" sz="2400" b="1" dirty="0">
               <a:solidFill>
@@ -20131,13 +20096,13 @@
   <p:clrMapOvr>
     <a:masterClrMapping/>
   </p:clrMapOvr>
-  <mc:AlternateContent xmlns:mc="http://schemas.openxmlformats.org/markup-compatibility/2006">
-    <mc:Choice xmlns:p14="http://schemas.microsoft.com/office/powerpoint/2010/main" Requires="p14">
+  <mc:AlternateContent xmlns:mc="http://schemas.openxmlformats.org/markup-compatibility/2006" xmlns:p14="http://schemas.microsoft.com/office/powerpoint/2010/main">
+    <mc:Choice Requires="p14">
       <p:transition spd="med" p14:dur="700" advTm="0">
         <p:fade/>
       </p:transition>
     </mc:Choice>
-    <mc:Fallback>
+    <mc:Fallback xmlns="">
       <p:transition spd="med" advTm="0">
         <p:fade/>
       </p:transition>
@@ -21022,7 +20987,7 @@
       </p:sp>
       <p:sp>
         <p:nvSpPr>
-          <p:cNvPr id="14" name="SpotlightShape2" hidden="1"/>
+          <p:cNvPr id="24" name="SpotlightShape2" hidden="1"/>
           <p:cNvSpPr/>
           <p:nvPr/>
         </p:nvSpPr>
@@ -21165,7 +21130,7 @@
       </p:sp>
       <p:pic>
         <p:nvPicPr>
-          <p:cNvPr id="5122" name="SpotlightShape1"/>
+          <p:cNvPr id="1030" name="SpotlightShape1"/>
           <p:cNvPicPr>
             <a:picLocks noChangeAspect="1" noChangeArrowheads="1"/>
           </p:cNvPicPr>
@@ -21628,15 +21593,7 @@
                   <a:srgbClr val="0070C0"/>
                 </a:solidFill>
               </a:rPr>
-              <a:t>Phase </a:t>
-            </a:r>
-            <a:r>
-              <a:rPr lang="en-US" sz="2400" b="1" dirty="0" smtClean="0">
-                <a:solidFill>
-                  <a:srgbClr val="0070C0"/>
-                </a:solidFill>
-              </a:rPr>
-              <a:t>A</a:t>
+              <a:t>Phase A</a:t>
             </a:r>
             <a:endParaRPr lang="en-SG" sz="2400" b="1" dirty="0">
               <a:solidFill>
@@ -21903,7 +21860,7 @@
       </p:sp>
       <p:sp>
         <p:nvSpPr>
-          <p:cNvPr id="23" name="SpotlightShape2" hidden="1"/>
+          <p:cNvPr id="15" name="SpotlightShape2" hidden="1"/>
           <p:cNvSpPr/>
           <p:nvPr/>
         </p:nvSpPr>
@@ -21973,7 +21930,7 @@
       </p:sp>
       <p:pic>
         <p:nvPicPr>
-          <p:cNvPr id="4101" name="SpotlightShape1"/>
+          <p:cNvPr id="2051" name="SpotlightShape1"/>
           <p:cNvPicPr>
             <a:picLocks noChangeAspect="1" noChangeArrowheads="1"/>
           </p:cNvPicPr>
@@ -22102,7 +22059,7 @@
                                           </p:stCondLst>
                                         </p:cTn>
                                         <p:tgtEl>
-                                          <p:spTgt spid="23"/>
+                                          <p:spTgt spid="15"/>
                                         </p:tgtEl>
                                         <p:attrNameLst>
                                           <p:attrName>style.visibility</p:attrName>
@@ -22116,7 +22073,7 @@
                                       <p:cBhvr additive="base">
                                         <p:cTn id="7" dur="500"/>
                                         <p:tgtEl>
-                                          <p:spTgt spid="23"/>
+                                          <p:spTgt spid="15"/>
                                         </p:tgtEl>
                                         <p:attrNameLst>
                                           <p:attrName>ppt_x</p:attrName>
@@ -22139,7 +22096,7 @@
                                       <p:cBhvr>
                                         <p:cTn id="8" dur="500"/>
                                         <p:tgtEl>
-                                          <p:spTgt spid="23"/>
+                                          <p:spTgt spid="15"/>
                                         </p:tgtEl>
                                       </p:cBhvr>
                                     </p:animEffect>
@@ -22174,7 +22131,7 @@
       </p:par>
     </p:tnLst>
     <p:bldLst>
-      <p:bldP spid="23" grpId="0" animBg="1"/>
+      <p:bldP spid="15" grpId="0" animBg="1"/>
     </p:bldLst>
   </p:timing>
 </p:sld>
@@ -22541,15 +22498,7 @@
                   <a:srgbClr val="0070C0"/>
                 </a:solidFill>
               </a:rPr>
-              <a:t>Phase </a:t>
-            </a:r>
-            <a:r>
-              <a:rPr lang="en-US" sz="2400" b="1" dirty="0" smtClean="0">
-                <a:solidFill>
-                  <a:srgbClr val="0070C0"/>
-                </a:solidFill>
-              </a:rPr>
-              <a:t>A</a:t>
+              <a:t>Phase A</a:t>
             </a:r>
             <a:endParaRPr lang="en-SG" sz="2400" b="1" dirty="0">
               <a:solidFill>
@@ -22816,7 +22765,7 @@
       </p:sp>
       <p:sp>
         <p:nvSpPr>
-          <p:cNvPr id="14" name="SpotlightShape2" hidden="1"/>
+          <p:cNvPr id="13" name="SpotlightShape2" hidden="1"/>
           <p:cNvSpPr/>
           <p:nvPr/>
         </p:nvSpPr>
@@ -22913,7 +22862,7 @@
       </p:sp>
       <p:pic>
         <p:nvPicPr>
-          <p:cNvPr id="7170" name="SpotlightShape1"/>
+          <p:cNvPr id="3074" name="SpotlightShape1"/>
           <p:cNvPicPr>
             <a:picLocks noChangeAspect="1" noChangeArrowheads="1"/>
           </p:cNvPicPr>
@@ -23376,15 +23325,7 @@
                   <a:srgbClr val="0070C0"/>
                 </a:solidFill>
               </a:rPr>
-              <a:t>Phase </a:t>
-            </a:r>
-            <a:r>
-              <a:rPr lang="en-US" sz="2400" b="1" dirty="0" smtClean="0">
-                <a:solidFill>
-                  <a:srgbClr val="0070C0"/>
-                </a:solidFill>
-              </a:rPr>
-              <a:t>A</a:t>
+              <a:t>Phase A</a:t>
             </a:r>
             <a:endParaRPr lang="en-SG" sz="2400" b="1" dirty="0">
               <a:solidFill>
@@ -23651,7 +23592,7 @@
       </p:sp>
       <p:sp>
         <p:nvSpPr>
-          <p:cNvPr id="14" name="SpotlightShape2" hidden="1"/>
+          <p:cNvPr id="13" name="SpotlightShape2" hidden="1"/>
           <p:cNvSpPr/>
           <p:nvPr/>
         </p:nvSpPr>
@@ -23745,7 +23686,7 @@
       </p:sp>
       <p:pic>
         <p:nvPicPr>
-          <p:cNvPr id="10242" name="SpotlightShape1"/>
+          <p:cNvPr id="4098" name="SpotlightShape1"/>
           <p:cNvPicPr>
             <a:picLocks noChangeAspect="1" noChangeArrowheads="1"/>
           </p:cNvPicPr>
@@ -24076,15 +24017,7 @@
                   <a:srgbClr val="0070C0"/>
                 </a:solidFill>
               </a:rPr>
-              <a:t>Phase </a:t>
-            </a:r>
-            <a:r>
-              <a:rPr lang="en-US" sz="2400" b="1" dirty="0" smtClean="0">
-                <a:solidFill>
-                  <a:srgbClr val="0070C0"/>
-                </a:solidFill>
-              </a:rPr>
-              <a:t>A</a:t>
+              <a:t>Phase A</a:t>
             </a:r>
             <a:endParaRPr lang="en-SG" sz="2400" b="1" dirty="0">
               <a:solidFill>
